--- a/textbook/파이썬2-4교시.pptx
+++ b/textbook/파이썬2-4교시.pptx
@@ -325,7 +325,7 @@
           <a:p>
             <a:fld id="{3575F28B-E03B-4F00-AA56-A8AF97DAF43F}" type="datetimeFigureOut">
               <a:rPr lang="ko-KR" altLang="en-US" smtClean="0"/>
-              <a:t>2021-04-24</a:t>
+              <a:t>2021-05-01</a:t>
             </a:fld>
             <a:endParaRPr lang="ko-KR" altLang="en-US"/>
           </a:p>
@@ -678,7 +678,7 @@
           <a:p>
             <a:fld id="{3575F28B-E03B-4F00-AA56-A8AF97DAF43F}" type="datetimeFigureOut">
               <a:rPr lang="ko-KR" altLang="en-US" smtClean="0"/>
-              <a:t>2021-04-24</a:t>
+              <a:t>2021-05-01</a:t>
             </a:fld>
             <a:endParaRPr lang="ko-KR" altLang="en-US"/>
           </a:p>
@@ -853,7 +853,7 @@
           <a:p>
             <a:fld id="{3575F28B-E03B-4F00-AA56-A8AF97DAF43F}" type="datetimeFigureOut">
               <a:rPr lang="ko-KR" altLang="en-US" smtClean="0"/>
-              <a:t>2021-04-24</a:t>
+              <a:t>2021-05-01</a:t>
             </a:fld>
             <a:endParaRPr lang="ko-KR" altLang="en-US"/>
           </a:p>
@@ -966,7 +966,7 @@
           <a:p>
             <a:fld id="{3575F28B-E03B-4F00-AA56-A8AF97DAF43F}" type="datetimeFigureOut">
               <a:rPr lang="ko-KR" altLang="en-US" smtClean="0"/>
-              <a:t>2021-04-24</a:t>
+              <a:t>2021-05-01</a:t>
             </a:fld>
             <a:endParaRPr lang="ko-KR" altLang="en-US"/>
           </a:p>
@@ -1324,7 +1324,7 @@
           <a:p>
             <a:fld id="{3575F28B-E03B-4F00-AA56-A8AF97DAF43F}" type="datetimeFigureOut">
               <a:rPr lang="ko-KR" altLang="en-US" smtClean="0"/>
-              <a:t>2021-04-24</a:t>
+              <a:t>2021-05-01</a:t>
             </a:fld>
             <a:endParaRPr lang="ko-KR" altLang="en-US"/>
           </a:p>
@@ -1589,7 +1589,7 @@
           <a:p>
             <a:fld id="{3575F28B-E03B-4F00-AA56-A8AF97DAF43F}" type="datetimeFigureOut">
               <a:rPr lang="ko-KR" altLang="en-US" smtClean="0"/>
-              <a:t>2021-04-24</a:t>
+              <a:t>2021-05-01</a:t>
             </a:fld>
             <a:endParaRPr lang="ko-KR" altLang="en-US"/>
           </a:p>
@@ -1951,7 +1951,7 @@
           <a:p>
             <a:fld id="{3575F28B-E03B-4F00-AA56-A8AF97DAF43F}" type="datetimeFigureOut">
               <a:rPr lang="ko-KR" altLang="en-US" smtClean="0"/>
-              <a:t>2021-04-24</a:t>
+              <a:t>2021-05-01</a:t>
             </a:fld>
             <a:endParaRPr lang="ko-KR" altLang="en-US"/>
           </a:p>
@@ -2178,7 +2178,7 @@
           <a:p>
             <a:fld id="{3575F28B-E03B-4F00-AA56-A8AF97DAF43F}" type="datetimeFigureOut">
               <a:rPr lang="ko-KR" altLang="en-US" smtClean="0"/>
-              <a:t>2021-04-24</a:t>
+              <a:t>2021-05-01</a:t>
             </a:fld>
             <a:endParaRPr lang="ko-KR" altLang="en-US"/>
           </a:p>
@@ -2268,7 +2268,7 @@
           <a:p>
             <a:fld id="{3575F28B-E03B-4F00-AA56-A8AF97DAF43F}" type="datetimeFigureOut">
               <a:rPr lang="ko-KR" altLang="en-US" smtClean="0"/>
-              <a:t>2021-04-24</a:t>
+              <a:t>2021-05-01</a:t>
             </a:fld>
             <a:endParaRPr lang="ko-KR" altLang="en-US"/>
           </a:p>
@@ -2535,7 +2535,7 @@
           <a:p>
             <a:fld id="{3575F28B-E03B-4F00-AA56-A8AF97DAF43F}" type="datetimeFigureOut">
               <a:rPr lang="ko-KR" altLang="en-US" smtClean="0"/>
-              <a:t>2021-04-24</a:t>
+              <a:t>2021-05-01</a:t>
             </a:fld>
             <a:endParaRPr lang="ko-KR" altLang="en-US"/>
           </a:p>
@@ -2763,7 +2763,7 @@
           <a:p>
             <a:fld id="{3575F28B-E03B-4F00-AA56-A8AF97DAF43F}" type="datetimeFigureOut">
               <a:rPr lang="ko-KR" altLang="en-US" smtClean="0"/>
-              <a:t>2021-04-24</a:t>
+              <a:t>2021-05-01</a:t>
             </a:fld>
             <a:endParaRPr lang="ko-KR" altLang="en-US"/>
           </a:p>
@@ -3262,7 +3262,7 @@
           <a:p>
             <a:fld id="{3575F28B-E03B-4F00-AA56-A8AF97DAF43F}" type="datetimeFigureOut">
               <a:rPr lang="ko-KR" altLang="en-US" smtClean="0"/>
-              <a:t>2021-04-24</a:t>
+              <a:t>2021-05-01</a:t>
             </a:fld>
             <a:endParaRPr lang="ko-KR" altLang="en-US"/>
           </a:p>
@@ -3754,10 +3754,17 @@
     <mc:Choice Requires="p14">
       <p:transition/>
     </mc:Choice>
-    <mc:Fallback xmlns="" xmlns:c="http://schemas.openxmlformats.org/drawingml/2006/chart" xmlns:dgm="http://schemas.openxmlformats.org/drawingml/2006/diagram" xmlns:dsp="http://schemas.microsoft.com/office/drawing/2008/diagram">
+    <mc:Fallback xmlns:dsp="http://schemas.microsoft.com/office/drawing/2008/diagram" xmlns:dgm="http://schemas.openxmlformats.org/drawingml/2006/diagram" xmlns:c="http://schemas.openxmlformats.org/drawingml/2006/chart" xmlns="">
       <p:transition/>
     </mc:Fallback>
   </mc:AlternateContent>
+  <p:timing>
+    <p:tnLst>
+      <p:par>
+        <p:cTn id="1" dur="indefinite" restart="never" nodeType="tmRoot"/>
+      </p:par>
+    </p:tnLst>
+  </p:timing>
 </p:sld>
 </file>
 
@@ -3958,10 +3965,17 @@
     <mc:Choice Requires="p14">
       <p:transition/>
     </mc:Choice>
-    <mc:Fallback xmlns="" xmlns:c="http://schemas.openxmlformats.org/drawingml/2006/chart" xmlns:dgm="http://schemas.openxmlformats.org/drawingml/2006/diagram" xmlns:dsp="http://schemas.microsoft.com/office/drawing/2008/diagram">
+    <mc:Fallback xmlns:dsp="http://schemas.microsoft.com/office/drawing/2008/diagram" xmlns:dgm="http://schemas.openxmlformats.org/drawingml/2006/diagram" xmlns:c="http://schemas.openxmlformats.org/drawingml/2006/chart" xmlns="">
       <p:transition/>
     </mc:Fallback>
   </mc:AlternateContent>
+  <p:timing>
+    <p:tnLst>
+      <p:par>
+        <p:cTn id="1" dur="indefinite" restart="never" nodeType="tmRoot"/>
+      </p:par>
+    </p:tnLst>
+  </p:timing>
 </p:sld>
 </file>
 
@@ -4102,8 +4116,9 @@
             </a:r>
             <a:r>
               <a:rPr lang="en-US" altLang="ko-KR" sz="2000" dirty="0"/>
-              <a:t>.</a:t>
-            </a:r>
+              <a:t>. https://www.pygame.org/</a:t>
+            </a:r>
+            <a:endParaRPr lang="en-US" altLang="ko-KR" sz="2000" dirty="0"/>
           </a:p>
           <a:p>
             <a:pPr marL="0" indent="0">
@@ -4163,6 +4178,26 @@
               <a:defRPr/>
             </a:pPr>
             <a:endParaRPr lang="ko-KR" altLang="en-US" sz="2000" dirty="0"/>
+          </a:p>
+          <a:p>
+            <a:pPr marL="0" indent="0">
+              <a:spcAft>
+                <a:spcPts val="600"/>
+              </a:spcAft>
+              <a:buNone/>
+              <a:defRPr/>
+            </a:pPr>
+            <a:endParaRPr lang="en-US" altLang="ko-KR" sz="2000" dirty="0" smtClean="0"/>
+          </a:p>
+          <a:p>
+            <a:pPr marL="0" indent="0">
+              <a:spcAft>
+                <a:spcPts val="600"/>
+              </a:spcAft>
+              <a:buNone/>
+              <a:defRPr/>
+            </a:pPr>
+            <a:endParaRPr lang="en-US" altLang="ko-KR" sz="2000" dirty="0"/>
           </a:p>
           <a:p>
             <a:pPr marL="0" indent="0">
@@ -4418,10 +4453,17 @@
     <mc:Choice Requires="p14">
       <p:transition/>
     </mc:Choice>
-    <mc:Fallback xmlns:dsp="http://schemas.microsoft.com/office/drawing/2008/diagram" xmlns:dgm="http://schemas.openxmlformats.org/drawingml/2006/diagram" xmlns:c="http://schemas.openxmlformats.org/drawingml/2006/chart" xmlns="">
+    <mc:Fallback xmlns="" xmlns:c="http://schemas.openxmlformats.org/drawingml/2006/chart" xmlns:dgm="http://schemas.openxmlformats.org/drawingml/2006/diagram" xmlns:dsp="http://schemas.microsoft.com/office/drawing/2008/diagram">
       <p:transition/>
     </mc:Fallback>
   </mc:AlternateContent>
+  <p:timing>
+    <p:tnLst>
+      <p:par>
+        <p:cTn id="1" dur="indefinite" restart="never" nodeType="tmRoot"/>
+      </p:par>
+    </p:tnLst>
+  </p:timing>
 </p:sld>
 </file>
 
@@ -4684,7 +4726,7 @@
     <mc:Choice Requires="p14">
       <p:transition/>
     </mc:Choice>
-    <mc:Fallback xmlns="" xmlns:c="http://schemas.openxmlformats.org/drawingml/2006/chart" xmlns:dgm="http://schemas.openxmlformats.org/drawingml/2006/diagram" xmlns:dsp="http://schemas.microsoft.com/office/drawing/2008/diagram">
+    <mc:Fallback xmlns:dsp="http://schemas.microsoft.com/office/drawing/2008/diagram" xmlns:dgm="http://schemas.openxmlformats.org/drawingml/2006/diagram" xmlns:c="http://schemas.openxmlformats.org/drawingml/2006/chart" xmlns="">
       <p:transition/>
     </mc:Fallback>
   </mc:AlternateContent>
@@ -4808,7 +4850,11 @@
             </a:r>
             <a:r>
               <a:rPr lang="en-US" altLang="ko-KR" sz="2000" dirty="0" smtClean="0"/>
-              <a:t>(1000ms)</a:t>
+              <a:t>(</a:t>
+            </a:r>
+            <a:r>
+              <a:rPr lang="en-US" altLang="ko-KR" sz="2000" dirty="0" smtClean="0"/>
+              <a:t>1000 )</a:t>
             </a:r>
             <a:r>
               <a:rPr lang="ko-KR" altLang="en-US" sz="2000" dirty="0" smtClean="0"/>
@@ -5094,7 +5140,7 @@
     <mc:Choice Requires="p14">
       <p:transition/>
     </mc:Choice>
-    <mc:Fallback xmlns="" xmlns:c="http://schemas.openxmlformats.org/drawingml/2006/chart" xmlns:dgm="http://schemas.openxmlformats.org/drawingml/2006/diagram" xmlns:dsp="http://schemas.microsoft.com/office/drawing/2008/diagram">
+    <mc:Fallback xmlns:dsp="http://schemas.microsoft.com/office/drawing/2008/diagram" xmlns:dgm="http://schemas.openxmlformats.org/drawingml/2006/diagram" xmlns:c="http://schemas.openxmlformats.org/drawingml/2006/chart" xmlns="">
       <p:transition/>
     </mc:Fallback>
   </mc:AlternateContent>
@@ -5246,7 +5292,7 @@
     <mc:Choice Requires="p14">
       <p:transition/>
     </mc:Choice>
-    <mc:Fallback xmlns:dsp="http://schemas.microsoft.com/office/drawing/2008/diagram" xmlns:dgm="http://schemas.openxmlformats.org/drawingml/2006/diagram" xmlns:c="http://schemas.openxmlformats.org/drawingml/2006/chart" xmlns="">
+    <mc:Fallback xmlns="" xmlns:c="http://schemas.openxmlformats.org/drawingml/2006/chart" xmlns:dgm="http://schemas.openxmlformats.org/drawingml/2006/diagram" xmlns:dsp="http://schemas.microsoft.com/office/drawing/2008/diagram">
       <p:transition/>
     </mc:Fallback>
   </mc:AlternateContent>
@@ -6139,7 +6185,7 @@
     <mc:Choice Requires="p14">
       <p:transition/>
     </mc:Choice>
-    <mc:Fallback xmlns="" xmlns:c="http://schemas.openxmlformats.org/drawingml/2006/chart" xmlns:dgm="http://schemas.openxmlformats.org/drawingml/2006/diagram" xmlns:dsp="http://schemas.microsoft.com/office/drawing/2008/diagram">
+    <mc:Fallback xmlns:dsp="http://schemas.microsoft.com/office/drawing/2008/diagram" xmlns:dgm="http://schemas.openxmlformats.org/drawingml/2006/diagram" xmlns:c="http://schemas.openxmlformats.org/drawingml/2006/chart" xmlns="">
       <p:transition/>
     </mc:Fallback>
   </mc:AlternateContent>
@@ -7093,7 +7139,7 @@
     <mc:Choice Requires="p14">
       <p:transition/>
     </mc:Choice>
-    <mc:Fallback xmlns:dsp="http://schemas.microsoft.com/office/drawing/2008/diagram" xmlns:dgm="http://schemas.openxmlformats.org/drawingml/2006/diagram" xmlns:c="http://schemas.openxmlformats.org/drawingml/2006/chart" xmlns="">
+    <mc:Fallback xmlns="" xmlns:c="http://schemas.openxmlformats.org/drawingml/2006/chart" xmlns:dgm="http://schemas.openxmlformats.org/drawingml/2006/diagram" xmlns:dsp="http://schemas.microsoft.com/office/drawing/2008/diagram">
       <p:transition/>
     </mc:Fallback>
   </mc:AlternateContent>

--- a/textbook/파이썬2-4교시.pptx
+++ b/textbook/파이썬2-4교시.pptx
@@ -325,7 +325,7 @@
           <a:p>
             <a:fld id="{3575F28B-E03B-4F00-AA56-A8AF97DAF43F}" type="datetimeFigureOut">
               <a:rPr lang="ko-KR" altLang="en-US" smtClean="0"/>
-              <a:t>2021-05-01</a:t>
+              <a:t>2021-05-10</a:t>
             </a:fld>
             <a:endParaRPr lang="ko-KR" altLang="en-US"/>
           </a:p>
@@ -678,7 +678,7 @@
           <a:p>
             <a:fld id="{3575F28B-E03B-4F00-AA56-A8AF97DAF43F}" type="datetimeFigureOut">
               <a:rPr lang="ko-KR" altLang="en-US" smtClean="0"/>
-              <a:t>2021-05-01</a:t>
+              <a:t>2021-05-10</a:t>
             </a:fld>
             <a:endParaRPr lang="ko-KR" altLang="en-US"/>
           </a:p>
@@ -853,7 +853,7 @@
           <a:p>
             <a:fld id="{3575F28B-E03B-4F00-AA56-A8AF97DAF43F}" type="datetimeFigureOut">
               <a:rPr lang="ko-KR" altLang="en-US" smtClean="0"/>
-              <a:t>2021-05-01</a:t>
+              <a:t>2021-05-10</a:t>
             </a:fld>
             <a:endParaRPr lang="ko-KR" altLang="en-US"/>
           </a:p>
@@ -966,7 +966,7 @@
           <a:p>
             <a:fld id="{3575F28B-E03B-4F00-AA56-A8AF97DAF43F}" type="datetimeFigureOut">
               <a:rPr lang="ko-KR" altLang="en-US" smtClean="0"/>
-              <a:t>2021-05-01</a:t>
+              <a:t>2021-05-10</a:t>
             </a:fld>
             <a:endParaRPr lang="ko-KR" altLang="en-US"/>
           </a:p>
@@ -1324,7 +1324,7 @@
           <a:p>
             <a:fld id="{3575F28B-E03B-4F00-AA56-A8AF97DAF43F}" type="datetimeFigureOut">
               <a:rPr lang="ko-KR" altLang="en-US" smtClean="0"/>
-              <a:t>2021-05-01</a:t>
+              <a:t>2021-05-10</a:t>
             </a:fld>
             <a:endParaRPr lang="ko-KR" altLang="en-US"/>
           </a:p>
@@ -1589,7 +1589,7 @@
           <a:p>
             <a:fld id="{3575F28B-E03B-4F00-AA56-A8AF97DAF43F}" type="datetimeFigureOut">
               <a:rPr lang="ko-KR" altLang="en-US" smtClean="0"/>
-              <a:t>2021-05-01</a:t>
+              <a:t>2021-05-10</a:t>
             </a:fld>
             <a:endParaRPr lang="ko-KR" altLang="en-US"/>
           </a:p>
@@ -1951,7 +1951,7 @@
           <a:p>
             <a:fld id="{3575F28B-E03B-4F00-AA56-A8AF97DAF43F}" type="datetimeFigureOut">
               <a:rPr lang="ko-KR" altLang="en-US" smtClean="0"/>
-              <a:t>2021-05-01</a:t>
+              <a:t>2021-05-10</a:t>
             </a:fld>
             <a:endParaRPr lang="ko-KR" altLang="en-US"/>
           </a:p>
@@ -2178,7 +2178,7 @@
           <a:p>
             <a:fld id="{3575F28B-E03B-4F00-AA56-A8AF97DAF43F}" type="datetimeFigureOut">
               <a:rPr lang="ko-KR" altLang="en-US" smtClean="0"/>
-              <a:t>2021-05-01</a:t>
+              <a:t>2021-05-10</a:t>
             </a:fld>
             <a:endParaRPr lang="ko-KR" altLang="en-US"/>
           </a:p>
@@ -2268,7 +2268,7 @@
           <a:p>
             <a:fld id="{3575F28B-E03B-4F00-AA56-A8AF97DAF43F}" type="datetimeFigureOut">
               <a:rPr lang="ko-KR" altLang="en-US" smtClean="0"/>
-              <a:t>2021-05-01</a:t>
+              <a:t>2021-05-10</a:t>
             </a:fld>
             <a:endParaRPr lang="ko-KR" altLang="en-US"/>
           </a:p>
@@ -2535,7 +2535,7 @@
           <a:p>
             <a:fld id="{3575F28B-E03B-4F00-AA56-A8AF97DAF43F}" type="datetimeFigureOut">
               <a:rPr lang="ko-KR" altLang="en-US" smtClean="0"/>
-              <a:t>2021-05-01</a:t>
+              <a:t>2021-05-10</a:t>
             </a:fld>
             <a:endParaRPr lang="ko-KR" altLang="en-US"/>
           </a:p>
@@ -2763,7 +2763,7 @@
           <a:p>
             <a:fld id="{3575F28B-E03B-4F00-AA56-A8AF97DAF43F}" type="datetimeFigureOut">
               <a:rPr lang="ko-KR" altLang="en-US" smtClean="0"/>
-              <a:t>2021-05-01</a:t>
+              <a:t>2021-05-10</a:t>
             </a:fld>
             <a:endParaRPr lang="ko-KR" altLang="en-US"/>
           </a:p>
@@ -3262,7 +3262,7 @@
           <a:p>
             <a:fld id="{3575F28B-E03B-4F00-AA56-A8AF97DAF43F}" type="datetimeFigureOut">
               <a:rPr lang="ko-KR" altLang="en-US" smtClean="0"/>
-              <a:t>2021-05-01</a:t>
+              <a:t>2021-05-10</a:t>
             </a:fld>
             <a:endParaRPr lang="ko-KR" altLang="en-US"/>
           </a:p>
@@ -3754,7 +3754,7 @@
     <mc:Choice Requires="p14">
       <p:transition/>
     </mc:Choice>
-    <mc:Fallback xmlns:dsp="http://schemas.microsoft.com/office/drawing/2008/diagram" xmlns:dgm="http://schemas.openxmlformats.org/drawingml/2006/diagram" xmlns:c="http://schemas.openxmlformats.org/drawingml/2006/chart" xmlns="">
+    <mc:Fallback xmlns="" xmlns:c="http://schemas.openxmlformats.org/drawingml/2006/chart" xmlns:dgm="http://schemas.openxmlformats.org/drawingml/2006/diagram" xmlns:dsp="http://schemas.microsoft.com/office/drawing/2008/diagram">
       <p:transition/>
     </mc:Fallback>
   </mc:AlternateContent>
@@ -3965,7 +3965,7 @@
     <mc:Choice Requires="p14">
       <p:transition/>
     </mc:Choice>
-    <mc:Fallback xmlns:dsp="http://schemas.microsoft.com/office/drawing/2008/diagram" xmlns:dgm="http://schemas.openxmlformats.org/drawingml/2006/diagram" xmlns:c="http://schemas.openxmlformats.org/drawingml/2006/chart" xmlns="">
+    <mc:Fallback xmlns="" xmlns:c="http://schemas.openxmlformats.org/drawingml/2006/chart" xmlns:dgm="http://schemas.openxmlformats.org/drawingml/2006/diagram" xmlns:dsp="http://schemas.microsoft.com/office/drawing/2008/diagram">
       <p:transition/>
     </mc:Fallback>
   </mc:AlternateContent>
@@ -4118,7 +4118,6 @@
               <a:rPr lang="en-US" altLang="ko-KR" sz="2000" dirty="0"/>
               <a:t>. https://www.pygame.org/</a:t>
             </a:r>
-            <a:endParaRPr lang="en-US" altLang="ko-KR" sz="2000" dirty="0"/>
           </a:p>
           <a:p>
             <a:pPr marL="0" indent="0">
@@ -4453,7 +4452,7 @@
     <mc:Choice Requires="p14">
       <p:transition/>
     </mc:Choice>
-    <mc:Fallback xmlns="" xmlns:c="http://schemas.openxmlformats.org/drawingml/2006/chart" xmlns:dgm="http://schemas.openxmlformats.org/drawingml/2006/diagram" xmlns:dsp="http://schemas.microsoft.com/office/drawing/2008/diagram">
+    <mc:Fallback xmlns:dsp="http://schemas.microsoft.com/office/drawing/2008/diagram" xmlns:dgm="http://schemas.openxmlformats.org/drawingml/2006/diagram" xmlns:c="http://schemas.openxmlformats.org/drawingml/2006/chart" xmlns="">
       <p:transition/>
     </mc:Fallback>
   </mc:AlternateContent>
@@ -4726,7 +4725,7 @@
     <mc:Choice Requires="p14">
       <p:transition/>
     </mc:Choice>
-    <mc:Fallback xmlns:dsp="http://schemas.microsoft.com/office/drawing/2008/diagram" xmlns:dgm="http://schemas.openxmlformats.org/drawingml/2006/diagram" xmlns:c="http://schemas.openxmlformats.org/drawingml/2006/chart" xmlns="">
+    <mc:Fallback xmlns="" xmlns:c="http://schemas.openxmlformats.org/drawingml/2006/chart" xmlns:dgm="http://schemas.openxmlformats.org/drawingml/2006/diagram" xmlns:dsp="http://schemas.microsoft.com/office/drawing/2008/diagram">
       <p:transition/>
     </mc:Fallback>
   </mc:AlternateContent>
@@ -4850,11 +4849,7 @@
             </a:r>
             <a:r>
               <a:rPr lang="en-US" altLang="ko-KR" sz="2000" dirty="0" smtClean="0"/>
-              <a:t>(</a:t>
-            </a:r>
-            <a:r>
-              <a:rPr lang="en-US" altLang="ko-KR" sz="2000" dirty="0" smtClean="0"/>
-              <a:t>1000 )</a:t>
+              <a:t>(1000 )</a:t>
             </a:r>
             <a:r>
               <a:rPr lang="ko-KR" altLang="en-US" sz="2000" dirty="0" smtClean="0"/>
@@ -5140,7 +5135,7 @@
     <mc:Choice Requires="p14">
       <p:transition/>
     </mc:Choice>
-    <mc:Fallback xmlns:dsp="http://schemas.microsoft.com/office/drawing/2008/diagram" xmlns:dgm="http://schemas.openxmlformats.org/drawingml/2006/diagram" xmlns:c="http://schemas.openxmlformats.org/drawingml/2006/chart" xmlns="">
+    <mc:Fallback xmlns="" xmlns:c="http://schemas.openxmlformats.org/drawingml/2006/chart" xmlns:dgm="http://schemas.openxmlformats.org/drawingml/2006/diagram" xmlns:dsp="http://schemas.microsoft.com/office/drawing/2008/diagram">
       <p:transition/>
     </mc:Fallback>
   </mc:AlternateContent>
@@ -5292,7 +5287,7 @@
     <mc:Choice Requires="p14">
       <p:transition/>
     </mc:Choice>
-    <mc:Fallback xmlns="" xmlns:c="http://schemas.openxmlformats.org/drawingml/2006/chart" xmlns:dgm="http://schemas.openxmlformats.org/drawingml/2006/diagram" xmlns:dsp="http://schemas.microsoft.com/office/drawing/2008/diagram">
+    <mc:Fallback xmlns:dsp="http://schemas.microsoft.com/office/drawing/2008/diagram" xmlns:dgm="http://schemas.openxmlformats.org/drawingml/2006/diagram" xmlns:c="http://schemas.openxmlformats.org/drawingml/2006/chart" xmlns="">
       <p:transition/>
     </mc:Fallback>
   </mc:AlternateContent>
@@ -6185,7 +6180,7 @@
     <mc:Choice Requires="p14">
       <p:transition/>
     </mc:Choice>
-    <mc:Fallback xmlns:dsp="http://schemas.microsoft.com/office/drawing/2008/diagram" xmlns:dgm="http://schemas.openxmlformats.org/drawingml/2006/diagram" xmlns:c="http://schemas.openxmlformats.org/drawingml/2006/chart" xmlns="">
+    <mc:Fallback xmlns="" xmlns:c="http://schemas.openxmlformats.org/drawingml/2006/chart" xmlns:dgm="http://schemas.openxmlformats.org/drawingml/2006/diagram" xmlns:dsp="http://schemas.microsoft.com/office/drawing/2008/diagram">
       <p:transition/>
     </mc:Fallback>
   </mc:AlternateContent>
@@ -7106,26 +7101,98 @@
           </a:bodyPr>
           <a:lstStyle/>
           <a:p>
-            <a:pPr marL="0" indent="0">
-              <a:buNone/>
+            <a:pPr marL="514350" indent="-514350">
+              <a:buAutoNum type="arabicPeriod"/>
               <a:defRPr/>
             </a:pPr>
             <a:r>
-              <a:rPr lang="en-US" altLang="ko-KR" dirty="0"/>
-              <a:t>1.</a:t>
-            </a:r>
-            <a:r>
-              <a:rPr lang="ko-KR" altLang="en-US" dirty="0"/>
-              <a:t>   </a:t>
-            </a:r>
-            <a:r>
               <a:rPr lang="ko-KR" altLang="en-US" dirty="0" smtClean="0"/>
-              <a:t>키를 입력 받아서 움직이는 그림과 글자를 자유롭게 출력해 보자</a:t>
+              <a:t>키를 </a:t>
+            </a:r>
+            <a:r>
+              <a:rPr lang="ko-KR" altLang="en-US" dirty="0" smtClean="0"/>
+              <a:t>입력 받아서 움직이는 그림과 글자를 자유롭게 출력해 보자</a:t>
             </a:r>
             <a:r>
               <a:rPr lang="en-US" altLang="ko-KR" dirty="0" smtClean="0"/>
               <a:t>. </a:t>
             </a:r>
+            <a:endParaRPr lang="en-US" altLang="ko-KR" dirty="0" smtClean="0"/>
+          </a:p>
+          <a:p>
+            <a:pPr marL="514350" indent="-514350">
+              <a:buAutoNum type="arabicPeriod"/>
+              <a:defRPr/>
+            </a:pPr>
+            <a:endParaRPr lang="en-US" altLang="ko-KR" dirty="0"/>
+          </a:p>
+          <a:p>
+            <a:pPr marL="514350" indent="-514350">
+              <a:buAutoNum type="arabicPeriod"/>
+              <a:defRPr/>
+            </a:pPr>
+            <a:endParaRPr lang="en-US" altLang="ko-KR" dirty="0" smtClean="0"/>
+          </a:p>
+          <a:p>
+            <a:pPr marL="514350" indent="-514350">
+              <a:buAutoNum type="arabicPeriod"/>
+              <a:defRPr/>
+            </a:pPr>
+            <a:endParaRPr lang="en-US" altLang="ko-KR" dirty="0"/>
+          </a:p>
+          <a:p>
+            <a:pPr marL="514350" indent="-514350">
+              <a:buAutoNum type="arabicPeriod"/>
+              <a:defRPr/>
+            </a:pPr>
+            <a:endParaRPr lang="en-US" altLang="ko-KR" dirty="0" smtClean="0"/>
+          </a:p>
+          <a:p>
+            <a:pPr marL="514350" indent="-514350">
+              <a:buAutoNum type="arabicPeriod"/>
+              <a:defRPr/>
+            </a:pPr>
+            <a:endParaRPr lang="en-US" altLang="ko-KR" dirty="0"/>
+          </a:p>
+          <a:p>
+            <a:pPr marL="514350" indent="-514350">
+              <a:buAutoNum type="arabicPeriod"/>
+              <a:defRPr/>
+            </a:pPr>
+            <a:endParaRPr lang="en-US" altLang="ko-KR" dirty="0" smtClean="0"/>
+          </a:p>
+          <a:p>
+            <a:pPr marL="514350" lvl="0" indent="-514350">
+              <a:buFont typeface="Wingdings 2"/>
+              <a:buAutoNum type="arabicPeriod"/>
+              <a:defRPr/>
+            </a:pPr>
+            <a:r>
+              <a:rPr lang="ko-KR" altLang="ko-KR" sz="2800" dirty="0">
+                <a:solidFill>
+                  <a:srgbClr val="808080"/>
+                </a:solidFill>
+                <a:latin typeface="Arial Unicode MS"/>
+                <a:ea typeface="JetBrains Mono"/>
+              </a:rPr>
+              <a:t>https://www.gameart2d.com</a:t>
+            </a:r>
+            <a:endParaRPr lang="ko-KR" altLang="ko-KR" sz="3200" dirty="0">
+              <a:latin typeface="Arial" panose="020B0604020202020204" pitchFamily="34" charset="0"/>
+            </a:endParaRPr>
+          </a:p>
+          <a:p>
+            <a:pPr marL="514350" indent="-514350">
+              <a:buAutoNum type="arabicPeriod"/>
+              <a:defRPr/>
+            </a:pPr>
+            <a:endParaRPr lang="en-US" altLang="ko-KR" dirty="0"/>
+          </a:p>
+          <a:p>
+            <a:pPr marL="514350" indent="-514350">
+              <a:buAutoNum type="arabicPeriod"/>
+              <a:defRPr/>
+            </a:pPr>
             <a:endParaRPr lang="en-US" altLang="ko-KR" dirty="0"/>
           </a:p>
         </p:txBody>
@@ -7139,7 +7206,7 @@
     <mc:Choice Requires="p14">
       <p:transition/>
     </mc:Choice>
-    <mc:Fallback xmlns="" xmlns:c="http://schemas.openxmlformats.org/drawingml/2006/chart" xmlns:dgm="http://schemas.openxmlformats.org/drawingml/2006/diagram" xmlns:dsp="http://schemas.microsoft.com/office/drawing/2008/diagram">
+    <mc:Fallback xmlns:dsp="http://schemas.microsoft.com/office/drawing/2008/diagram" xmlns:dgm="http://schemas.openxmlformats.org/drawingml/2006/diagram" xmlns:c="http://schemas.openxmlformats.org/drawingml/2006/chart" xmlns="">
       <p:transition/>
     </mc:Fallback>
   </mc:AlternateContent>
